--- a/presentations/sql-for-data-science/sql-for-data-science.pptx
+++ b/presentations/sql-for-data-science/sql-for-data-science.pptx
@@ -9397,11 +9397,7 @@
             </a:pPr>
             <a:r>
               <a:rPr lang="en-US" dirty="0"/>
-              <a:t>mm/</a:t>
-            </a:r>
-            <a:r>
-              <a:rPr lang="en-US" dirty="0" err="1"/>
-              <a:t>dd</a:t>
+              <a:t>10/22</a:t>
             </a:r>
             <a:r>
               <a:rPr lang="en-US" baseline="30000" dirty="0"/>
@@ -9409,7 +9405,15 @@
             </a:r>
             <a:r>
               <a:rPr lang="en-US" dirty="0"/>
-              <a:t> - Steve Mortimer, XXX XXXXXX, XXX XXXXXX</a:t>
+              <a:t> - Ab </a:t>
+            </a:r>
+            <a:r>
+              <a:rPr lang="en-US" dirty="0" err="1"/>
+              <a:t>Boxley</a:t>
+            </a:r>
+            <a:r>
+              <a:rPr lang="en-US" dirty="0"/>
+              <a:t>, Ashish Singh, Steve Mortimer</a:t>
             </a:r>
             <a:endParaRPr dirty="0"/>
           </a:p>
@@ -10952,7 +10956,25 @@
                 </a:solidFill>
                 <a:hlinkClick r:id="rId3"/>
               </a:rPr>
-              <a:t>See the SQL Style Guidelines Cheatsheet</a:t>
+              <a:t>See the SQL Style </a:t>
+            </a:r>
+            <a:r>
+              <a:rPr lang="en-US" sz="2400" u="sng" dirty="0">
+                <a:solidFill>
+                  <a:schemeClr val="hlink"/>
+                </a:solidFill>
+                <a:hlinkClick r:id="rId4"/>
+              </a:rPr>
+              <a:t>Guidelines</a:t>
+            </a:r>
+            <a:r>
+              <a:rPr lang="en-US" sz="2400" u="sng" dirty="0">
+                <a:solidFill>
+                  <a:schemeClr val="hlink"/>
+                </a:solidFill>
+                <a:hlinkClick r:id="rId3"/>
+              </a:rPr>
+              <a:t> Cheatsheet</a:t>
             </a:r>
             <a:endParaRPr sz="2400" dirty="0"/>
           </a:p>
@@ -19312,6 +19334,34 @@
               <a:buFont typeface="Arial"/>
               <a:buNone/>
             </a:pPr>
+            <a:endParaRPr lang="en-US" sz="2400" b="1" i="0" u="none" strike="noStrike" cap="none" dirty="0">
+              <a:solidFill>
+                <a:srgbClr val="000000"/>
+              </a:solidFill>
+              <a:latin typeface="Arial"/>
+              <a:ea typeface="Arial"/>
+              <a:cs typeface="Arial"/>
+              <a:sym typeface="Arial"/>
+            </a:endParaRPr>
+          </a:p>
+          <a:p>
+            <a:pPr marL="0" marR="0" lvl="0" indent="0" algn="l" rtl="0">
+              <a:lnSpc>
+                <a:spcPct val="100000"/>
+              </a:lnSpc>
+              <a:spcBef>
+                <a:spcPts val="0"/>
+              </a:spcBef>
+              <a:spcAft>
+                <a:spcPts val="0"/>
+              </a:spcAft>
+              <a:buClr>
+                <a:srgbClr val="000000"/>
+              </a:buClr>
+              <a:buSzPts val="2400"/>
+              <a:buFont typeface="Arial"/>
+              <a:buNone/>
+            </a:pPr>
             <a:r>
               <a:rPr lang="en-US" sz="2400" b="1" i="0" u="none" strike="noStrike" cap="none" dirty="0">
                 <a:solidFill>
@@ -19364,6 +19414,34 @@
               <a:buFont typeface="Arial"/>
               <a:buNone/>
             </a:pPr>
+            <a:endParaRPr lang="en-US" sz="2400" b="0" i="0" u="none" strike="noStrike" cap="none" dirty="0">
+              <a:solidFill>
+                <a:srgbClr val="000000"/>
+              </a:solidFill>
+              <a:latin typeface="Arial"/>
+              <a:ea typeface="Arial"/>
+              <a:cs typeface="Arial"/>
+              <a:sym typeface="Arial"/>
+            </a:endParaRPr>
+          </a:p>
+          <a:p>
+            <a:pPr marL="0" marR="0" lvl="0" indent="0" algn="l" rtl="0">
+              <a:lnSpc>
+                <a:spcPct val="100000"/>
+              </a:lnSpc>
+              <a:spcBef>
+                <a:spcPts val="0"/>
+              </a:spcBef>
+              <a:spcAft>
+                <a:spcPts val="0"/>
+              </a:spcAft>
+              <a:buClr>
+                <a:srgbClr val="000000"/>
+              </a:buClr>
+              <a:buSzPts val="2400"/>
+              <a:buFont typeface="Arial"/>
+              <a:buNone/>
+            </a:pPr>
             <a:endParaRPr sz="2400" b="0" i="0" u="none" strike="noStrike" cap="none" dirty="0">
               <a:solidFill>
                 <a:srgbClr val="000000"/>
@@ -19402,31 +19480,7 @@
                 <a:cs typeface="Arial"/>
                 <a:sym typeface="Arial"/>
               </a:rPr>
-              <a:t>Via Email</a:t>
-            </a:r>
-            <a:r>
-              <a:rPr lang="en-US" sz="2400" i="0" u="none" strike="noStrike" cap="none" dirty="0">
-                <a:solidFill>
-                  <a:srgbClr val="000000"/>
-                </a:solidFill>
-                <a:latin typeface="Arial"/>
-                <a:ea typeface="Arial"/>
-                <a:cs typeface="Arial"/>
-                <a:sym typeface="Arial"/>
-              </a:rPr>
-              <a:t> -</a:t>
-            </a:r>
-            <a:r>
-              <a:rPr lang="en-US" sz="2400" b="1" i="0" u="none" strike="noStrike" cap="none" dirty="0">
-                <a:solidFill>
-                  <a:srgbClr val="000000"/>
-                </a:solidFill>
-                <a:latin typeface="Arial"/>
-                <a:ea typeface="Arial"/>
-                <a:cs typeface="Arial"/>
-                <a:sym typeface="Arial"/>
-              </a:rPr>
-              <a:t> </a:t>
+              <a:t>Via Email </a:t>
             </a:r>
             <a:endParaRPr sz="2400" b="1" i="0" u="none" strike="noStrike" cap="none" dirty="0">
               <a:solidFill>
@@ -19467,121 +19521,19 @@
             </a:endParaRPr>
           </a:p>
           <a:p>
-            <a:pPr marL="0" marR="0" lvl="0" indent="0" algn="l" rtl="0">
-              <a:lnSpc>
-                <a:spcPct val="100000"/>
-              </a:lnSpc>
-              <a:spcBef>
-                <a:spcPts val="0"/>
-              </a:spcBef>
-              <a:spcAft>
-                <a:spcPts val="0"/>
-              </a:spcAft>
-              <a:buClr>
-                <a:srgbClr val="000000"/>
-              </a:buClr>
+            <a:pPr lvl="0">
               <a:buSzPts val="2400"/>
-              <a:buFont typeface="Arial"/>
-              <a:buNone/>
             </a:pPr>
             <a:r>
               <a:rPr lang="en-US" sz="2400" dirty="0"/>
-              <a:t>  Club Inbox </a:t>
-            </a:r>
-            <a:r>
-              <a:rPr lang="en-US" sz="2400" b="0" i="0" u="none" strike="noStrike" cap="none" dirty="0">
-                <a:solidFill>
-                  <a:srgbClr val="000000"/>
-                </a:solidFill>
-                <a:latin typeface="Arial"/>
-                <a:ea typeface="Arial"/>
-                <a:cs typeface="Arial"/>
-                <a:sym typeface="Arial"/>
-              </a:rPr>
-              <a:t>- </a:t>
-            </a:r>
-            <a:r>
-              <a:rPr lang="en-US" sz="2400" u="sng" dirty="0">
-                <a:solidFill>
-                  <a:schemeClr val="hlink"/>
-                </a:solidFill>
+              <a:t>  Club Inbox - </a:t>
+            </a:r>
+            <a:r>
+              <a:rPr lang="en-US" sz="2400" dirty="0">
                 <a:hlinkClick r:id="rId3"/>
               </a:rPr>
-              <a:t>DataScienceClub@darden.virginia.edu</a:t>
-            </a:r>
-            <a:endParaRPr sz="2400" dirty="0"/>
-          </a:p>
-          <a:p>
-            <a:pPr marL="0" marR="0" lvl="0" indent="0" algn="l" rtl="0">
-              <a:lnSpc>
-                <a:spcPct val="100000"/>
-              </a:lnSpc>
-              <a:spcBef>
-                <a:spcPts val="0"/>
-              </a:spcBef>
-              <a:spcAft>
-                <a:spcPts val="0"/>
-              </a:spcAft>
-              <a:buClr>
-                <a:srgbClr val="000000"/>
-              </a:buClr>
-              <a:buSzPts val="2400"/>
-              <a:buFont typeface="Arial"/>
-              <a:buNone/>
-            </a:pPr>
-            <a:endParaRPr lang="en-US" sz="2400" dirty="0"/>
-          </a:p>
-          <a:p>
-            <a:pPr marL="0" marR="0" lvl="0" indent="0" algn="l" rtl="0">
-              <a:lnSpc>
-                <a:spcPct val="100000"/>
-              </a:lnSpc>
-              <a:spcBef>
-                <a:spcPts val="0"/>
-              </a:spcBef>
-              <a:spcAft>
-                <a:spcPts val="0"/>
-              </a:spcAft>
-              <a:buClr>
-                <a:srgbClr val="000000"/>
-              </a:buClr>
-              <a:buSzPts val="2400"/>
-              <a:buFont typeface="Arial"/>
-              <a:buNone/>
-            </a:pPr>
-            <a:r>
-              <a:rPr lang="en-US" sz="2400" dirty="0"/>
-              <a:t>  Steve Mortimer - </a:t>
-            </a:r>
-            <a:r>
-              <a:rPr lang="en-US" sz="2400" u="sng" dirty="0">
-                <a:solidFill>
-                  <a:schemeClr val="hlink"/>
-                </a:solidFill>
-                <a:hlinkClick r:id="rId4"/>
-              </a:rPr>
-              <a:t>MortimerS19@darden.virginia.edu</a:t>
-            </a:r>
-            <a:endParaRPr sz="2400" dirty="0"/>
-          </a:p>
-          <a:p>
-            <a:pPr marL="0" marR="0" lvl="0" indent="0" algn="l" rtl="0">
-              <a:lnSpc>
-                <a:spcPct val="100000"/>
-              </a:lnSpc>
-              <a:spcBef>
-                <a:spcPts val="0"/>
-              </a:spcBef>
-              <a:spcAft>
-                <a:spcPts val="0"/>
-              </a:spcAft>
-              <a:buClr>
-                <a:srgbClr val="000000"/>
-              </a:buClr>
-              <a:buSzPts val="2400"/>
-              <a:buFont typeface="Arial"/>
-              <a:buNone/>
-            </a:pPr>
+              <a:t>DardenDSC@darden.virginia.edu</a:t>
+            </a:r>
             <a:endParaRPr lang="en-US" sz="2400" dirty="0"/>
           </a:p>
           <a:p>
@@ -21284,7 +21236,7 @@
             </a:r>
             <a:r>
               <a:rPr lang="en-US" sz="1600" i="1" dirty="0"/>
-              <a:t>ec2-107-22-169-45.compute-1.amazonaws.com</a:t>
+              <a:t>ec2-52-70-226-2.compute-1.amazonaws.com</a:t>
             </a:r>
             <a:endParaRPr sz="1600" i="1" dirty="0"/>
           </a:p>
@@ -21327,8 +21279,8 @@
               <a:t> - </a:t>
             </a:r>
             <a:r>
-              <a:rPr lang="en-US" sz="1600" i="1" dirty="0" err="1"/>
-              <a:t>rmfenpdczlrtqo</a:t>
+              <a:rPr lang="en-US" sz="1600" i="1" dirty="0"/>
+              <a:t>u7i4qokt2ji7oh</a:t>
             </a:r>
             <a:endParaRPr sz="1600" i="1" dirty="0"/>
           </a:p>
@@ -21347,7 +21299,7 @@
             </a:r>
             <a:r>
               <a:rPr lang="en-US" sz="1600" i="1" dirty="0"/>
-              <a:t>57a3df647d21f42d4dc029cd951ac7762e1ad440e411dfc8fb7dffb57d82d976</a:t>
+              <a:t>pfc0aa766fcf6072632f6c6470106275d6768c37246a32d8cf263b4f90a6c0fb1</a:t>
             </a:r>
             <a:endParaRPr sz="1600" i="1" dirty="0"/>
           </a:p>
@@ -21366,7 +21318,7 @@
             </a:r>
             <a:r>
               <a:rPr lang="en-US" sz="1600" i="1" dirty="0"/>
-              <a:t>d54sjlbs6erhjs</a:t>
+              <a:t>d44nqmm4lj9da5</a:t>
             </a:r>
             <a:endParaRPr sz="1600" i="1" dirty="0"/>
           </a:p>
@@ -21462,7 +21414,7 @@
                 <a:cs typeface="Consolas"/>
                 <a:sym typeface="Consolas"/>
               </a:rPr>
-              <a:t> -v ec2-107-22-169-45.compute-1.amazonaws.com 5432</a:t>
+              <a:t> -v ec2-52-70-226-2.compute-1.amazonaws.com 5432</a:t>
             </a:r>
             <a:endParaRPr sz="2400" dirty="0">
               <a:latin typeface="Consolas"/>
@@ -21481,12 +21433,12 @@
         </p:nvSpPr>
         <p:spPr>
           <a:xfrm rot="5400000" flipH="1">
-            <a:off x="4980475" y="3338000"/>
-            <a:ext cx="418500" cy="6720000"/>
+            <a:off x="4898399" y="3377212"/>
+            <a:ext cx="418500" cy="6641575"/>
           </a:xfrm>
           <a:prstGeom prst="leftBrace">
             <a:avLst>
-              <a:gd name="adj1" fmla="val 8333"/>
+              <a:gd name="adj1" fmla="val 21989"/>
               <a:gd name="adj2" fmla="val 50000"/>
             </a:avLst>
           </a:prstGeom>
@@ -21528,7 +21480,7 @@
         </p:nvSpPr>
         <p:spPr>
           <a:xfrm rot="5400000" flipH="1">
-            <a:off x="8926250" y="6345200"/>
+            <a:off x="8726224" y="6345200"/>
             <a:ext cx="370800" cy="657900"/>
           </a:xfrm>
           <a:prstGeom prst="leftBrace">
@@ -21575,7 +21527,7 @@
         </p:nvSpPr>
         <p:spPr>
           <a:xfrm>
-            <a:off x="4674525" y="6828150"/>
+            <a:off x="4603086" y="6871014"/>
             <a:ext cx="1036800" cy="485700"/>
           </a:xfrm>
           <a:prstGeom prst="rect">
@@ -21602,10 +21554,10 @@
               <a:buNone/>
             </a:pPr>
             <a:r>
-              <a:rPr lang="en-US" sz="1800" b="1"/>
+              <a:rPr lang="en-US" sz="1800" b="1" dirty="0"/>
               <a:t>HOST</a:t>
             </a:r>
-            <a:endParaRPr sz="1800"/>
+            <a:endParaRPr sz="1800" dirty="0"/>
           </a:p>
         </p:txBody>
       </p:sp>
@@ -21617,7 +21569,7 @@
         </p:nvSpPr>
         <p:spPr>
           <a:xfrm>
-            <a:off x="8593250" y="6828150"/>
+            <a:off x="8407512" y="6871012"/>
             <a:ext cx="1036800" cy="485700"/>
           </a:xfrm>
           <a:prstGeom prst="rect">
@@ -21644,10 +21596,10 @@
               <a:buNone/>
             </a:pPr>
             <a:r>
-              <a:rPr lang="en-US" sz="1800" b="1"/>
+              <a:rPr lang="en-US" sz="1800" b="1" dirty="0"/>
               <a:t>PORT</a:t>
             </a:r>
-            <a:endParaRPr sz="1800"/>
+            <a:endParaRPr sz="1800" dirty="0"/>
           </a:p>
         </p:txBody>
       </p:sp>

--- a/presentations/sql-for-data-science/sql-for-data-science.pptx
+++ b/presentations/sql-for-data-science/sql-for-data-science.pptx
@@ -21236,7 +21236,7 @@
             </a:r>
             <a:r>
               <a:rPr lang="en-US" sz="1600" i="1" dirty="0"/>
-              <a:t>ec2-52-70-226-2.compute-1.amazonaws.com</a:t>
+              <a:t>ec2-184-73-169-151.compute-1.amazonaws.com</a:t>
             </a:r>
             <a:endParaRPr sz="1600" i="1" dirty="0"/>
           </a:p>
@@ -21280,7 +21280,7 @@
             </a:r>
             <a:r>
               <a:rPr lang="en-US" sz="1600" i="1" dirty="0"/>
-              <a:t>u7i4qokt2ji7oh</a:t>
+              <a:t>aswxolpenjfwnr</a:t>
             </a:r>
             <a:endParaRPr sz="1600" i="1" dirty="0"/>
           </a:p>
@@ -21299,7 +21299,7 @@
             </a:r>
             <a:r>
               <a:rPr lang="en-US" sz="1600" i="1" dirty="0"/>
-              <a:t>pfc0aa766fcf6072632f6c6470106275d6768c37246a32d8cf263b4f90a6c0fb1</a:t>
+              <a:t>b0ebcab71f4779d93e96e30e73564603989f9ab2c55d4c609b634770ec686260</a:t>
             </a:r>
             <a:endParaRPr sz="1600" i="1" dirty="0"/>
           </a:p>
@@ -21318,7 +21318,7 @@
             </a:r>
             <a:r>
               <a:rPr lang="en-US" sz="1600" i="1" dirty="0"/>
-              <a:t>d44nqmm4lj9da5</a:t>
+              <a:t>dk20dkmmd0s1e</a:t>
             </a:r>
             <a:endParaRPr sz="1600" i="1" dirty="0"/>
           </a:p>
@@ -21414,7 +21414,7 @@
                 <a:cs typeface="Consolas"/>
                 <a:sym typeface="Consolas"/>
               </a:rPr>
-              <a:t> -v ec2-52-70-226-2.compute-1.amazonaws.com 5432</a:t>
+              <a:t> -v ec2-184-73-169-151.compute-1.amazonaws.com 5432</a:t>
             </a:r>
             <a:endParaRPr sz="2400" dirty="0">
               <a:latin typeface="Consolas"/>
@@ -21433,8 +21433,8 @@
         </p:nvSpPr>
         <p:spPr>
           <a:xfrm rot="5400000" flipH="1">
-            <a:off x="4898399" y="3377212"/>
-            <a:ext cx="418500" cy="6641575"/>
+            <a:off x="4916050" y="3172899"/>
+            <a:ext cx="418500" cy="7050201"/>
           </a:xfrm>
           <a:prstGeom prst="leftBrace">
             <a:avLst>
@@ -21480,7 +21480,7 @@
         </p:nvSpPr>
         <p:spPr>
           <a:xfrm rot="5400000" flipH="1">
-            <a:off x="8726224" y="6345200"/>
+            <a:off x="8969113" y="6345200"/>
             <a:ext cx="370800" cy="657900"/>
           </a:xfrm>
           <a:prstGeom prst="leftBrace">
@@ -21527,7 +21527,7 @@
         </p:nvSpPr>
         <p:spPr>
           <a:xfrm>
-            <a:off x="4603086" y="6871014"/>
+            <a:off x="4631662" y="6871014"/>
             <a:ext cx="1036800" cy="485700"/>
           </a:xfrm>
           <a:prstGeom prst="rect">
@@ -21569,7 +21569,7 @@
         </p:nvSpPr>
         <p:spPr>
           <a:xfrm>
-            <a:off x="8407512" y="6871012"/>
+            <a:off x="8650401" y="6871012"/>
             <a:ext cx="1036800" cy="485700"/>
           </a:xfrm>
           <a:prstGeom prst="rect">
